--- a/Initialization Tests.pptx
+++ b/Initialization Tests.pptx
@@ -5,7 +5,7 @@
     <p:sldMasterId id="2147483686" r:id="rId4"/>
   </p:sldMasterIdLst>
   <p:notesMasterIdLst>
-    <p:notesMasterId r:id="rId12"/>
+    <p:notesMasterId r:id="rId13"/>
   </p:notesMasterIdLst>
   <p:sldIdLst>
     <p:sldId id="256" r:id="rId5"/>
@@ -14,7 +14,8 @@
     <p:sldId id="2147375033" r:id="rId8"/>
     <p:sldId id="2147375040" r:id="rId9"/>
     <p:sldId id="2147375039" r:id="rId10"/>
-    <p:sldId id="2147375036" r:id="rId11"/>
+    <p:sldId id="2147375041" r:id="rId11"/>
+    <p:sldId id="2147375036" r:id="rId12"/>
   </p:sldIdLst>
   <p:sldSz cx="12192000" cy="6858000"/>
   <p:notesSz cx="6858000" cy="9144000"/>
@@ -231,6 +232,7 @@
             <p14:sldId id="2147375033"/>
             <p14:sldId id="2147375040"/>
             <p14:sldId id="2147375039"/>
+            <p14:sldId id="2147375041"/>
             <p14:sldId id="2147375036"/>
           </p14:sldIdLst>
         </p14:section>
@@ -249,7 +251,7 @@
 <file path=ppt/revisionInfo.xml><?xml version="1.0" encoding="utf-8"?>
 <p1510:revInfo xmlns:a="http://schemas.openxmlformats.org/drawingml/2006/main" xmlns:r="http://schemas.openxmlformats.org/officeDocument/2006/relationships" xmlns:p1510="http://schemas.microsoft.com/office/powerpoint/2015/10/main">
   <p1510:revLst>
-    <p1510:client id="{1BED18EA-7001-42DA-B1A3-47B607274D9B}" v="45" dt="2023-09-27T12:56:10.352"/>
+    <p1510:client id="{1BED18EA-7001-42DA-B1A3-47B607274D9B}" v="195" dt="2023-09-27T13:07:01.775"/>
     <p1510:client id="{1CE7A472-F037-4D4E-ABAD-13E702E2479B}" v="44" dt="2023-09-27T04:49:59.175"/>
     <p1510:client id="{4DA5F8A7-CF37-4AB9-A384-08BC1A69D461}" v="8" dt="2023-09-26T18:03:27.252"/>
     <p1510:client id="{9B2DBD79-DFE4-439A-9FCD-ED294583E019}" v="358" dt="2023-09-26T18:23:43.037"/>
@@ -510,148 +512,6 @@
           <pc:docMk/>
           <pc:sldMk cId="2310610128" sldId="2147375037"/>
         </pc:sldMkLst>
-      </pc:sldChg>
-    </pc:docChg>
-  </pc:docChgLst>
-  <pc:docChgLst>
-    <pc:chgData name="Pasque, Kurt (LT)" userId="101d425e-7b67-438f-8588-88e46245ddde" providerId="ADAL" clId="{1BED18EA-7001-42DA-B1A3-47B607274D9B}"/>
-    <pc:docChg chg="custSel addSld modSld sldOrd modSection">
-      <pc:chgData name="Pasque, Kurt (LT)" userId="101d425e-7b67-438f-8588-88e46245ddde" providerId="ADAL" clId="{1BED18EA-7001-42DA-B1A3-47B607274D9B}" dt="2023-09-27T12:56:10.352" v="46" actId="1076"/>
-      <pc:docMkLst>
-        <pc:docMk/>
-      </pc:docMkLst>
-      <pc:sldChg chg="modSp mod">
-        <pc:chgData name="Pasque, Kurt (LT)" userId="101d425e-7b67-438f-8588-88e46245ddde" providerId="ADAL" clId="{1BED18EA-7001-42DA-B1A3-47B607274D9B}" dt="2023-09-27T12:50:36.338" v="8" actId="20577"/>
-        <pc:sldMkLst>
-          <pc:docMk/>
-          <pc:sldMk cId="462851389" sldId="2147375033"/>
-        </pc:sldMkLst>
-        <pc:spChg chg="mod">
-          <ac:chgData name="Pasque, Kurt (LT)" userId="101d425e-7b67-438f-8588-88e46245ddde" providerId="ADAL" clId="{1BED18EA-7001-42DA-B1A3-47B607274D9B}" dt="2023-09-27T12:50:36.338" v="8" actId="20577"/>
-          <ac:spMkLst>
-            <pc:docMk/>
-            <pc:sldMk cId="462851389" sldId="2147375033"/>
-            <ac:spMk id="9" creationId="{E180BE68-5F3E-878A-E63A-BD53AC44E77A}"/>
-          </ac:spMkLst>
-        </pc:spChg>
-      </pc:sldChg>
-      <pc:sldChg chg="mod ord modShow">
-        <pc:chgData name="Pasque, Kurt (LT)" userId="101d425e-7b67-438f-8588-88e46245ddde" providerId="ADAL" clId="{1BED18EA-7001-42DA-B1A3-47B607274D9B}" dt="2023-09-27T12:50:49.854" v="11" actId="729"/>
-        <pc:sldMkLst>
-          <pc:docMk/>
-          <pc:sldMk cId="1919226616" sldId="2147375036"/>
-        </pc:sldMkLst>
-      </pc:sldChg>
-      <pc:sldChg chg="addSp delSp modSp add mod ord modShow">
-        <pc:chgData name="Pasque, Kurt (LT)" userId="101d425e-7b67-438f-8588-88e46245ddde" providerId="ADAL" clId="{1BED18EA-7001-42DA-B1A3-47B607274D9B}" dt="2023-09-27T12:56:10.352" v="46" actId="1076"/>
-        <pc:sldMkLst>
-          <pc:docMk/>
-          <pc:sldMk cId="4035844539" sldId="2147375040"/>
-        </pc:sldMkLst>
-        <pc:picChg chg="del">
-          <ac:chgData name="Pasque, Kurt (LT)" userId="101d425e-7b67-438f-8588-88e46245ddde" providerId="ADAL" clId="{1BED18EA-7001-42DA-B1A3-47B607274D9B}" dt="2023-09-27T12:55:19.682" v="30" actId="478"/>
-          <ac:picMkLst>
-            <pc:docMk/>
-            <pc:sldMk cId="4035844539" sldId="2147375040"/>
-            <ac:picMk id="4" creationId="{FF58748D-BBA2-EB9B-219A-4DF915621EE8}"/>
-          </ac:picMkLst>
-        </pc:picChg>
-        <pc:picChg chg="add del mod">
-          <ac:chgData name="Pasque, Kurt (LT)" userId="101d425e-7b67-438f-8588-88e46245ddde" providerId="ADAL" clId="{1BED18EA-7001-42DA-B1A3-47B607274D9B}" dt="2023-09-27T12:54:45.983" v="21" actId="478"/>
-          <ac:picMkLst>
-            <pc:docMk/>
-            <pc:sldMk cId="4035844539" sldId="2147375040"/>
-            <ac:picMk id="5" creationId="{B7C8875C-5E03-69BC-B8E6-B8DD746CB664}"/>
-          </ac:picMkLst>
-        </pc:picChg>
-        <pc:picChg chg="del">
-          <ac:chgData name="Pasque, Kurt (LT)" userId="101d425e-7b67-438f-8588-88e46245ddde" providerId="ADAL" clId="{1BED18EA-7001-42DA-B1A3-47B607274D9B}" dt="2023-09-27T12:55:33.553" v="34" actId="478"/>
-          <ac:picMkLst>
-            <pc:docMk/>
-            <pc:sldMk cId="4035844539" sldId="2147375040"/>
-            <ac:picMk id="6" creationId="{0BA2F9D2-2BEA-E4BD-07F7-F9980963EFAC}"/>
-          </ac:picMkLst>
-        </pc:picChg>
-        <pc:picChg chg="del">
-          <ac:chgData name="Pasque, Kurt (LT)" userId="101d425e-7b67-438f-8588-88e46245ddde" providerId="ADAL" clId="{1BED18EA-7001-42DA-B1A3-47B607274D9B}" dt="2023-09-27T12:55:43.016" v="38" actId="478"/>
-          <ac:picMkLst>
-            <pc:docMk/>
-            <pc:sldMk cId="4035844539" sldId="2147375040"/>
-            <ac:picMk id="8" creationId="{0DFA6414-8CE6-10B1-FB4B-D779778FA7B1}"/>
-          </ac:picMkLst>
-        </pc:picChg>
-        <pc:picChg chg="add mod">
-          <ac:chgData name="Pasque, Kurt (LT)" userId="101d425e-7b67-438f-8588-88e46245ddde" providerId="ADAL" clId="{1BED18EA-7001-42DA-B1A3-47B607274D9B}" dt="2023-09-27T12:54:56.236" v="24" actId="1076"/>
-          <ac:picMkLst>
-            <pc:docMk/>
-            <pc:sldMk cId="4035844539" sldId="2147375040"/>
-            <ac:picMk id="10" creationId="{DE34BB50-B0E0-87FF-BFBC-4A6531134B63}"/>
-          </ac:picMkLst>
-        </pc:picChg>
-        <pc:picChg chg="del">
-          <ac:chgData name="Pasque, Kurt (LT)" userId="101d425e-7b67-438f-8588-88e46245ddde" providerId="ADAL" clId="{1BED18EA-7001-42DA-B1A3-47B607274D9B}" dt="2023-09-27T12:55:57.962" v="42" actId="478"/>
-          <ac:picMkLst>
-            <pc:docMk/>
-            <pc:sldMk cId="4035844539" sldId="2147375040"/>
-            <ac:picMk id="11" creationId="{3D8695CF-8775-C50C-1CF2-9A7FE0CBDA94}"/>
-          </ac:picMkLst>
-        </pc:picChg>
-        <pc:picChg chg="del">
-          <ac:chgData name="Pasque, Kurt (LT)" userId="101d425e-7b67-438f-8588-88e46245ddde" providerId="ADAL" clId="{1BED18EA-7001-42DA-B1A3-47B607274D9B}" dt="2023-09-27T12:53:10.066" v="16" actId="478"/>
-          <ac:picMkLst>
-            <pc:docMk/>
-            <pc:sldMk cId="4035844539" sldId="2147375040"/>
-            <ac:picMk id="12" creationId="{F1D9059B-2CE5-4553-5F8A-F263745CEA36}"/>
-          </ac:picMkLst>
-        </pc:picChg>
-        <pc:picChg chg="del">
-          <ac:chgData name="Pasque, Kurt (LT)" userId="101d425e-7b67-438f-8588-88e46245ddde" providerId="ADAL" clId="{1BED18EA-7001-42DA-B1A3-47B607274D9B}" dt="2023-09-27T12:55:01.786" v="25" actId="478"/>
-          <ac:picMkLst>
-            <pc:docMk/>
-            <pc:sldMk cId="4035844539" sldId="2147375040"/>
-            <ac:picMk id="13" creationId="{03CA5F2A-3734-7026-95F3-97C07F5C47A6}"/>
-          </ac:picMkLst>
-        </pc:picChg>
-        <pc:picChg chg="add mod">
-          <ac:chgData name="Pasque, Kurt (LT)" userId="101d425e-7b67-438f-8588-88e46245ddde" providerId="ADAL" clId="{1BED18EA-7001-42DA-B1A3-47B607274D9B}" dt="2023-09-27T12:55:13.794" v="29" actId="1076"/>
-          <ac:picMkLst>
-            <pc:docMk/>
-            <pc:sldMk cId="4035844539" sldId="2147375040"/>
-            <ac:picMk id="17" creationId="{E532723F-42A0-9D1B-C19F-90D803CBEC9D}"/>
-          </ac:picMkLst>
-        </pc:picChg>
-        <pc:picChg chg="add mod">
-          <ac:chgData name="Pasque, Kurt (LT)" userId="101d425e-7b67-438f-8588-88e46245ddde" providerId="ADAL" clId="{1BED18EA-7001-42DA-B1A3-47B607274D9B}" dt="2023-09-27T12:55:28.577" v="33" actId="1076"/>
-          <ac:picMkLst>
-            <pc:docMk/>
-            <pc:sldMk cId="4035844539" sldId="2147375040"/>
-            <ac:picMk id="19" creationId="{65A9C28C-20F3-D054-D922-9682D2FF7F7C}"/>
-          </ac:picMkLst>
-        </pc:picChg>
-        <pc:picChg chg="add mod">
-          <ac:chgData name="Pasque, Kurt (LT)" userId="101d425e-7b67-438f-8588-88e46245ddde" providerId="ADAL" clId="{1BED18EA-7001-42DA-B1A3-47B607274D9B}" dt="2023-09-27T12:56:10.352" v="46" actId="1076"/>
-          <ac:picMkLst>
-            <pc:docMk/>
-            <pc:sldMk cId="4035844539" sldId="2147375040"/>
-            <ac:picMk id="21" creationId="{D1043D02-4548-B54D-93AC-C8994B6AB43B}"/>
-          </ac:picMkLst>
-        </pc:picChg>
-        <pc:picChg chg="add mod">
-          <ac:chgData name="Pasque, Kurt (LT)" userId="101d425e-7b67-438f-8588-88e46245ddde" providerId="ADAL" clId="{1BED18EA-7001-42DA-B1A3-47B607274D9B}" dt="2023-09-27T12:55:50.210" v="41" actId="1076"/>
-          <ac:picMkLst>
-            <pc:docMk/>
-            <pc:sldMk cId="4035844539" sldId="2147375040"/>
-            <ac:picMk id="23" creationId="{EE55BA94-283E-4B8A-7443-E87389AD1A76}"/>
-          </ac:picMkLst>
-        </pc:picChg>
-        <pc:picChg chg="add mod">
-          <ac:chgData name="Pasque, Kurt (LT)" userId="101d425e-7b67-438f-8588-88e46245ddde" providerId="ADAL" clId="{1BED18EA-7001-42DA-B1A3-47B607274D9B}" dt="2023-09-27T12:56:06.703" v="45" actId="1076"/>
-          <ac:picMkLst>
-            <pc:docMk/>
-            <pc:sldMk cId="4035844539" sldId="2147375040"/>
-            <ac:picMk id="25" creationId="{448C1275-D408-78EB-304D-7AB836D50B0D}"/>
-          </ac:picMkLst>
-        </pc:picChg>
       </pc:sldChg>
     </pc:docChg>
   </pc:docChgLst>
@@ -1129,6 +989,251 @@
       </pc:sldChg>
     </pc:docChg>
   </pc:docChgLst>
+  <pc:docChgLst>
+    <pc:chgData name="Pasque, Kurt (LT)" userId="101d425e-7b67-438f-8588-88e46245ddde" providerId="ADAL" clId="{1BED18EA-7001-42DA-B1A3-47B607274D9B}"/>
+    <pc:docChg chg="custSel addSld modSld sldOrd modSection">
+      <pc:chgData name="Pasque, Kurt (LT)" userId="101d425e-7b67-438f-8588-88e46245ddde" providerId="ADAL" clId="{1BED18EA-7001-42DA-B1A3-47B607274D9B}" dt="2023-09-27T13:07:01.775" v="197" actId="1076"/>
+      <pc:docMkLst>
+        <pc:docMk/>
+      </pc:docMkLst>
+      <pc:sldChg chg="modSp mod">
+        <pc:chgData name="Pasque, Kurt (LT)" userId="101d425e-7b67-438f-8588-88e46245ddde" providerId="ADAL" clId="{1BED18EA-7001-42DA-B1A3-47B607274D9B}" dt="2023-09-27T12:50:36.338" v="8" actId="20577"/>
+        <pc:sldMkLst>
+          <pc:docMk/>
+          <pc:sldMk cId="462851389" sldId="2147375033"/>
+        </pc:sldMkLst>
+        <pc:spChg chg="mod">
+          <ac:chgData name="Pasque, Kurt (LT)" userId="101d425e-7b67-438f-8588-88e46245ddde" providerId="ADAL" clId="{1BED18EA-7001-42DA-B1A3-47B607274D9B}" dt="2023-09-27T12:50:36.338" v="8" actId="20577"/>
+          <ac:spMkLst>
+            <pc:docMk/>
+            <pc:sldMk cId="462851389" sldId="2147375033"/>
+            <ac:spMk id="9" creationId="{E180BE68-5F3E-878A-E63A-BD53AC44E77A}"/>
+          </ac:spMkLst>
+        </pc:spChg>
+      </pc:sldChg>
+      <pc:sldChg chg="mod ord modShow">
+        <pc:chgData name="Pasque, Kurt (LT)" userId="101d425e-7b67-438f-8588-88e46245ddde" providerId="ADAL" clId="{1BED18EA-7001-42DA-B1A3-47B607274D9B}" dt="2023-09-27T12:50:49.854" v="11" actId="729"/>
+        <pc:sldMkLst>
+          <pc:docMk/>
+          <pc:sldMk cId="1919226616" sldId="2147375036"/>
+        </pc:sldMkLst>
+      </pc:sldChg>
+      <pc:sldChg chg="addSp delSp modSp add mod ord modShow">
+        <pc:chgData name="Pasque, Kurt (LT)" userId="101d425e-7b67-438f-8588-88e46245ddde" providerId="ADAL" clId="{1BED18EA-7001-42DA-B1A3-47B607274D9B}" dt="2023-09-27T13:06:10.555" v="104" actId="14100"/>
+        <pc:sldMkLst>
+          <pc:docMk/>
+          <pc:sldMk cId="4035844539" sldId="2147375040"/>
+        </pc:sldMkLst>
+        <pc:spChg chg="mod">
+          <ac:chgData name="Pasque, Kurt (LT)" userId="101d425e-7b67-438f-8588-88e46245ddde" providerId="ADAL" clId="{1BED18EA-7001-42DA-B1A3-47B607274D9B}" dt="2023-09-27T13:06:10.555" v="104" actId="14100"/>
+          <ac:spMkLst>
+            <pc:docMk/>
+            <pc:sldMk cId="4035844539" sldId="2147375040"/>
+            <ac:spMk id="15" creationId="{AD390C11-FC3F-9CB9-D3A5-B6DEC5C84596}"/>
+          </ac:spMkLst>
+        </pc:spChg>
+        <pc:picChg chg="del">
+          <ac:chgData name="Pasque, Kurt (LT)" userId="101d425e-7b67-438f-8588-88e46245ddde" providerId="ADAL" clId="{1BED18EA-7001-42DA-B1A3-47B607274D9B}" dt="2023-09-27T12:55:19.682" v="30" actId="478"/>
+          <ac:picMkLst>
+            <pc:docMk/>
+            <pc:sldMk cId="4035844539" sldId="2147375040"/>
+            <ac:picMk id="4" creationId="{FF58748D-BBA2-EB9B-219A-4DF915621EE8}"/>
+          </ac:picMkLst>
+        </pc:picChg>
+        <pc:picChg chg="add del mod">
+          <ac:chgData name="Pasque, Kurt (LT)" userId="101d425e-7b67-438f-8588-88e46245ddde" providerId="ADAL" clId="{1BED18EA-7001-42DA-B1A3-47B607274D9B}" dt="2023-09-27T12:54:45.983" v="21" actId="478"/>
+          <ac:picMkLst>
+            <pc:docMk/>
+            <pc:sldMk cId="4035844539" sldId="2147375040"/>
+            <ac:picMk id="5" creationId="{B7C8875C-5E03-69BC-B8E6-B8DD746CB664}"/>
+          </ac:picMkLst>
+        </pc:picChg>
+        <pc:picChg chg="del">
+          <ac:chgData name="Pasque, Kurt (LT)" userId="101d425e-7b67-438f-8588-88e46245ddde" providerId="ADAL" clId="{1BED18EA-7001-42DA-B1A3-47B607274D9B}" dt="2023-09-27T12:55:33.553" v="34" actId="478"/>
+          <ac:picMkLst>
+            <pc:docMk/>
+            <pc:sldMk cId="4035844539" sldId="2147375040"/>
+            <ac:picMk id="6" creationId="{0BA2F9D2-2BEA-E4BD-07F7-F9980963EFAC}"/>
+          </ac:picMkLst>
+        </pc:picChg>
+        <pc:picChg chg="del">
+          <ac:chgData name="Pasque, Kurt (LT)" userId="101d425e-7b67-438f-8588-88e46245ddde" providerId="ADAL" clId="{1BED18EA-7001-42DA-B1A3-47B607274D9B}" dt="2023-09-27T12:55:43.016" v="38" actId="478"/>
+          <ac:picMkLst>
+            <pc:docMk/>
+            <pc:sldMk cId="4035844539" sldId="2147375040"/>
+            <ac:picMk id="8" creationId="{0DFA6414-8CE6-10B1-FB4B-D779778FA7B1}"/>
+          </ac:picMkLst>
+        </pc:picChg>
+        <pc:picChg chg="add mod">
+          <ac:chgData name="Pasque, Kurt (LT)" userId="101d425e-7b67-438f-8588-88e46245ddde" providerId="ADAL" clId="{1BED18EA-7001-42DA-B1A3-47B607274D9B}" dt="2023-09-27T12:54:56.236" v="24" actId="1076"/>
+          <ac:picMkLst>
+            <pc:docMk/>
+            <pc:sldMk cId="4035844539" sldId="2147375040"/>
+            <ac:picMk id="10" creationId="{DE34BB50-B0E0-87FF-BFBC-4A6531134B63}"/>
+          </ac:picMkLst>
+        </pc:picChg>
+        <pc:picChg chg="del">
+          <ac:chgData name="Pasque, Kurt (LT)" userId="101d425e-7b67-438f-8588-88e46245ddde" providerId="ADAL" clId="{1BED18EA-7001-42DA-B1A3-47B607274D9B}" dt="2023-09-27T12:55:57.962" v="42" actId="478"/>
+          <ac:picMkLst>
+            <pc:docMk/>
+            <pc:sldMk cId="4035844539" sldId="2147375040"/>
+            <ac:picMk id="11" creationId="{3D8695CF-8775-C50C-1CF2-9A7FE0CBDA94}"/>
+          </ac:picMkLst>
+        </pc:picChg>
+        <pc:picChg chg="del">
+          <ac:chgData name="Pasque, Kurt (LT)" userId="101d425e-7b67-438f-8588-88e46245ddde" providerId="ADAL" clId="{1BED18EA-7001-42DA-B1A3-47B607274D9B}" dt="2023-09-27T12:53:10.066" v="16" actId="478"/>
+          <ac:picMkLst>
+            <pc:docMk/>
+            <pc:sldMk cId="4035844539" sldId="2147375040"/>
+            <ac:picMk id="12" creationId="{F1D9059B-2CE5-4553-5F8A-F263745CEA36}"/>
+          </ac:picMkLst>
+        </pc:picChg>
+        <pc:picChg chg="del">
+          <ac:chgData name="Pasque, Kurt (LT)" userId="101d425e-7b67-438f-8588-88e46245ddde" providerId="ADAL" clId="{1BED18EA-7001-42DA-B1A3-47B607274D9B}" dt="2023-09-27T12:55:01.786" v="25" actId="478"/>
+          <ac:picMkLst>
+            <pc:docMk/>
+            <pc:sldMk cId="4035844539" sldId="2147375040"/>
+            <ac:picMk id="13" creationId="{03CA5F2A-3734-7026-95F3-97C07F5C47A6}"/>
+          </ac:picMkLst>
+        </pc:picChg>
+        <pc:picChg chg="add mod">
+          <ac:chgData name="Pasque, Kurt (LT)" userId="101d425e-7b67-438f-8588-88e46245ddde" providerId="ADAL" clId="{1BED18EA-7001-42DA-B1A3-47B607274D9B}" dt="2023-09-27T12:55:13.794" v="29" actId="1076"/>
+          <ac:picMkLst>
+            <pc:docMk/>
+            <pc:sldMk cId="4035844539" sldId="2147375040"/>
+            <ac:picMk id="17" creationId="{E532723F-42A0-9D1B-C19F-90D803CBEC9D}"/>
+          </ac:picMkLst>
+        </pc:picChg>
+        <pc:picChg chg="add mod">
+          <ac:chgData name="Pasque, Kurt (LT)" userId="101d425e-7b67-438f-8588-88e46245ddde" providerId="ADAL" clId="{1BED18EA-7001-42DA-B1A3-47B607274D9B}" dt="2023-09-27T12:55:28.577" v="33" actId="1076"/>
+          <ac:picMkLst>
+            <pc:docMk/>
+            <pc:sldMk cId="4035844539" sldId="2147375040"/>
+            <ac:picMk id="19" creationId="{65A9C28C-20F3-D054-D922-9682D2FF7F7C}"/>
+          </ac:picMkLst>
+        </pc:picChg>
+        <pc:picChg chg="add mod">
+          <ac:chgData name="Pasque, Kurt (LT)" userId="101d425e-7b67-438f-8588-88e46245ddde" providerId="ADAL" clId="{1BED18EA-7001-42DA-B1A3-47B607274D9B}" dt="2023-09-27T12:56:10.352" v="46" actId="1076"/>
+          <ac:picMkLst>
+            <pc:docMk/>
+            <pc:sldMk cId="4035844539" sldId="2147375040"/>
+            <ac:picMk id="21" creationId="{D1043D02-4548-B54D-93AC-C8994B6AB43B}"/>
+          </ac:picMkLst>
+        </pc:picChg>
+        <pc:picChg chg="add mod">
+          <ac:chgData name="Pasque, Kurt (LT)" userId="101d425e-7b67-438f-8588-88e46245ddde" providerId="ADAL" clId="{1BED18EA-7001-42DA-B1A3-47B607274D9B}" dt="2023-09-27T12:55:50.210" v="41" actId="1076"/>
+          <ac:picMkLst>
+            <pc:docMk/>
+            <pc:sldMk cId="4035844539" sldId="2147375040"/>
+            <ac:picMk id="23" creationId="{EE55BA94-283E-4B8A-7443-E87389AD1A76}"/>
+          </ac:picMkLst>
+        </pc:picChg>
+        <pc:picChg chg="add mod">
+          <ac:chgData name="Pasque, Kurt (LT)" userId="101d425e-7b67-438f-8588-88e46245ddde" providerId="ADAL" clId="{1BED18EA-7001-42DA-B1A3-47B607274D9B}" dt="2023-09-27T12:56:06.703" v="45" actId="1076"/>
+          <ac:picMkLst>
+            <pc:docMk/>
+            <pc:sldMk cId="4035844539" sldId="2147375040"/>
+            <ac:picMk id="25" creationId="{448C1275-D408-78EB-304D-7AB836D50B0D}"/>
+          </ac:picMkLst>
+        </pc:picChg>
+      </pc:sldChg>
+      <pc:sldChg chg="addSp delSp modSp new mod">
+        <pc:chgData name="Pasque, Kurt (LT)" userId="101d425e-7b67-438f-8588-88e46245ddde" providerId="ADAL" clId="{1BED18EA-7001-42DA-B1A3-47B607274D9B}" dt="2023-09-27T13:07:01.775" v="197" actId="1076"/>
+        <pc:sldMkLst>
+          <pc:docMk/>
+          <pc:sldMk cId="3232927258" sldId="2147375041"/>
+        </pc:sldMkLst>
+        <pc:spChg chg="mod">
+          <ac:chgData name="Pasque, Kurt (LT)" userId="101d425e-7b67-438f-8588-88e46245ddde" providerId="ADAL" clId="{1BED18EA-7001-42DA-B1A3-47B607274D9B}" dt="2023-09-27T13:02:41.275" v="80" actId="20577"/>
+          <ac:spMkLst>
+            <pc:docMk/>
+            <pc:sldMk cId="3232927258" sldId="2147375041"/>
+            <ac:spMk id="2" creationId="{63006D5E-B1E7-9910-B903-696A1A77B08A}"/>
+          </ac:spMkLst>
+        </pc:spChg>
+        <pc:spChg chg="del">
+          <ac:chgData name="Pasque, Kurt (LT)" userId="101d425e-7b67-438f-8588-88e46245ddde" providerId="ADAL" clId="{1BED18EA-7001-42DA-B1A3-47B607274D9B}" dt="2023-09-27T13:04:05.230" v="81" actId="478"/>
+          <ac:spMkLst>
+            <pc:docMk/>
+            <pc:sldMk cId="3232927258" sldId="2147375041"/>
+            <ac:spMk id="3" creationId="{CF5874EB-278D-1121-9352-0390F87FC782}"/>
+          </ac:spMkLst>
+        </pc:spChg>
+        <pc:spChg chg="add mod">
+          <ac:chgData name="Pasque, Kurt (LT)" userId="101d425e-7b67-438f-8588-88e46245ddde" providerId="ADAL" clId="{1BED18EA-7001-42DA-B1A3-47B607274D9B}" dt="2023-09-27T13:06:22.988" v="122" actId="20577"/>
+          <ac:spMkLst>
+            <pc:docMk/>
+            <pc:sldMk cId="3232927258" sldId="2147375041"/>
+            <ac:spMk id="16" creationId="{F497C2E6-2861-7190-EF99-E166AD2CA6AA}"/>
+          </ac:spMkLst>
+        </pc:spChg>
+        <pc:spChg chg="add mod">
+          <ac:chgData name="Pasque, Kurt (LT)" userId="101d425e-7b67-438f-8588-88e46245ddde" providerId="ADAL" clId="{1BED18EA-7001-42DA-B1A3-47B607274D9B}" dt="2023-09-27T13:06:56.771" v="195" actId="1076"/>
+          <ac:spMkLst>
+            <pc:docMk/>
+            <pc:sldMk cId="3232927258" sldId="2147375041"/>
+            <ac:spMk id="17" creationId="{67D536BF-3561-CD0D-BC2B-4741BED4A475}"/>
+          </ac:spMkLst>
+        </pc:spChg>
+        <pc:spChg chg="add mod">
+          <ac:chgData name="Pasque, Kurt (LT)" userId="101d425e-7b67-438f-8588-88e46245ddde" providerId="ADAL" clId="{1BED18EA-7001-42DA-B1A3-47B607274D9B}" dt="2023-09-27T13:07:01.775" v="197" actId="1076"/>
+          <ac:spMkLst>
+            <pc:docMk/>
+            <pc:sldMk cId="3232927258" sldId="2147375041"/>
+            <ac:spMk id="18" creationId="{916736CC-3FD2-58A6-C1DA-E1064648E10B}"/>
+          </ac:spMkLst>
+        </pc:spChg>
+        <pc:picChg chg="add mod">
+          <ac:chgData name="Pasque, Kurt (LT)" userId="101d425e-7b67-438f-8588-88e46245ddde" providerId="ADAL" clId="{1BED18EA-7001-42DA-B1A3-47B607274D9B}" dt="2023-09-27T13:05:54.747" v="103" actId="1076"/>
+          <ac:picMkLst>
+            <pc:docMk/>
+            <pc:sldMk cId="3232927258" sldId="2147375041"/>
+            <ac:picMk id="5" creationId="{530F5D78-43A9-C818-53A9-3B9794529D08}"/>
+          </ac:picMkLst>
+        </pc:picChg>
+        <pc:picChg chg="add mod">
+          <ac:chgData name="Pasque, Kurt (LT)" userId="101d425e-7b67-438f-8588-88e46245ddde" providerId="ADAL" clId="{1BED18EA-7001-42DA-B1A3-47B607274D9B}" dt="2023-09-27T13:05:54.747" v="103" actId="1076"/>
+          <ac:picMkLst>
+            <pc:docMk/>
+            <pc:sldMk cId="3232927258" sldId="2147375041"/>
+            <ac:picMk id="7" creationId="{4AD66ED2-902B-1C27-DDAB-E99B0430158C}"/>
+          </ac:picMkLst>
+        </pc:picChg>
+        <pc:picChg chg="add mod">
+          <ac:chgData name="Pasque, Kurt (LT)" userId="101d425e-7b67-438f-8588-88e46245ddde" providerId="ADAL" clId="{1BED18EA-7001-42DA-B1A3-47B607274D9B}" dt="2023-09-27T13:05:54.747" v="103" actId="1076"/>
+          <ac:picMkLst>
+            <pc:docMk/>
+            <pc:sldMk cId="3232927258" sldId="2147375041"/>
+            <ac:picMk id="9" creationId="{65CBE37D-19F8-7DA7-FD81-10D3BD828B3A}"/>
+          </ac:picMkLst>
+        </pc:picChg>
+        <pc:picChg chg="add mod">
+          <ac:chgData name="Pasque, Kurt (LT)" userId="101d425e-7b67-438f-8588-88e46245ddde" providerId="ADAL" clId="{1BED18EA-7001-42DA-B1A3-47B607274D9B}" dt="2023-09-27T13:05:51.134" v="102" actId="1076"/>
+          <ac:picMkLst>
+            <pc:docMk/>
+            <pc:sldMk cId="3232927258" sldId="2147375041"/>
+            <ac:picMk id="11" creationId="{A2E3549F-0CA4-F25D-793B-3FB5466AC65D}"/>
+          </ac:picMkLst>
+        </pc:picChg>
+        <pc:picChg chg="add mod">
+          <ac:chgData name="Pasque, Kurt (LT)" userId="101d425e-7b67-438f-8588-88e46245ddde" providerId="ADAL" clId="{1BED18EA-7001-42DA-B1A3-47B607274D9B}" dt="2023-09-27T13:05:51.134" v="102" actId="1076"/>
+          <ac:picMkLst>
+            <pc:docMk/>
+            <pc:sldMk cId="3232927258" sldId="2147375041"/>
+            <ac:picMk id="13" creationId="{2C2AC7CF-FB3C-F5BF-9C2F-29A0BC8BBC48}"/>
+          </ac:picMkLst>
+        </pc:picChg>
+        <pc:picChg chg="add mod">
+          <ac:chgData name="Pasque, Kurt (LT)" userId="101d425e-7b67-438f-8588-88e46245ddde" providerId="ADAL" clId="{1BED18EA-7001-42DA-B1A3-47B607274D9B}" dt="2023-09-27T13:05:51.134" v="102" actId="1076"/>
+          <ac:picMkLst>
+            <pc:docMk/>
+            <pc:sldMk cId="3232927258" sldId="2147375041"/>
+            <ac:picMk id="15" creationId="{F049681A-5103-8AF2-BF94-EEE5741A5805}"/>
+          </ac:picMkLst>
+        </pc:picChg>
+      </pc:sldChg>
+    </pc:docChg>
+  </pc:docChgLst>
 </pc:chgInfo>
 </file>
 
@@ -6457,7 +6562,7 @@
         <p:spPr>
           <a:xfrm>
             <a:off x="8946054" y="941107"/>
-            <a:ext cx="3666676" cy="307777"/>
+            <a:ext cx="2839546" cy="307777"/>
           </a:xfrm>
           <a:prstGeom prst="rect">
             <a:avLst/>
@@ -7112,6 +7217,380 @@
 </file>
 
 <file path=ppt/slides/slide7.xml><?xml version="1.0" encoding="utf-8"?>
+<p:sld xmlns:a="http://schemas.openxmlformats.org/drawingml/2006/main" xmlns:r="http://schemas.openxmlformats.org/officeDocument/2006/relationships" xmlns:p="http://schemas.openxmlformats.org/presentationml/2006/main">
+  <p:cSld>
+    <p:spTree>
+      <p:nvGrpSpPr>
+        <p:cNvPr id="1" name=""/>
+        <p:cNvGrpSpPr/>
+        <p:nvPr/>
+      </p:nvGrpSpPr>
+      <p:grpSpPr>
+        <a:xfrm>
+          <a:off x="0" y="0"/>
+          <a:ext cx="0" cy="0"/>
+          <a:chOff x="0" y="0"/>
+          <a:chExt cx="0" cy="0"/>
+        </a:xfrm>
+      </p:grpSpPr>
+      <p:sp>
+        <p:nvSpPr>
+          <p:cNvPr id="2" name="Title 1">
+            <a:extLst>
+              <a:ext uri="{FF2B5EF4-FFF2-40B4-BE49-F238E27FC236}">
+                <a16:creationId xmlns:a16="http://schemas.microsoft.com/office/drawing/2014/main" id="{63006D5E-B1E7-9910-B903-696A1A77B08A}"/>
+              </a:ext>
+            </a:extLst>
+          </p:cNvPr>
+          <p:cNvSpPr>
+            <a:spLocks noGrp="1"/>
+          </p:cNvSpPr>
+          <p:nvPr>
+            <p:ph type="title"/>
+          </p:nvPr>
+        </p:nvSpPr>
+        <p:spPr/>
+        <p:txBody>
+          <a:bodyPr/>
+          <a:lstStyle/>
+          <a:p>
+            <a:r>
+              <a:rPr lang="en-US"/>
+              <a:t>Example of epsilon = 0.05</a:t>
+            </a:r>
+          </a:p>
+        </p:txBody>
+      </p:sp>
+      <p:pic>
+        <p:nvPicPr>
+          <p:cNvPr id="5" name="Picture 4">
+            <a:extLst>
+              <a:ext uri="{FF2B5EF4-FFF2-40B4-BE49-F238E27FC236}">
+                <a16:creationId xmlns:a16="http://schemas.microsoft.com/office/drawing/2014/main" id="{530F5D78-43A9-C818-53A9-3B9794529D08}"/>
+              </a:ext>
+            </a:extLst>
+          </p:cNvPr>
+          <p:cNvPicPr>
+            <a:picLocks noChangeAspect="1"/>
+          </p:cNvPicPr>
+          <p:nvPr/>
+        </p:nvPicPr>
+        <p:blipFill>
+          <a:blip r:embed="rId2"/>
+          <a:stretch>
+            <a:fillRect/>
+          </a:stretch>
+        </p:blipFill>
+        <p:spPr>
+          <a:xfrm>
+            <a:off x="1092484" y="1446848"/>
+            <a:ext cx="2769769" cy="2743200"/>
+          </a:xfrm>
+          <a:prstGeom prst="rect">
+            <a:avLst/>
+          </a:prstGeom>
+        </p:spPr>
+      </p:pic>
+      <p:pic>
+        <p:nvPicPr>
+          <p:cNvPr id="7" name="Picture 6">
+            <a:extLst>
+              <a:ext uri="{FF2B5EF4-FFF2-40B4-BE49-F238E27FC236}">
+                <a16:creationId xmlns:a16="http://schemas.microsoft.com/office/drawing/2014/main" id="{4AD66ED2-902B-1C27-DDAB-E99B0430158C}"/>
+              </a:ext>
+            </a:extLst>
+          </p:cNvPr>
+          <p:cNvPicPr>
+            <a:picLocks noChangeAspect="1"/>
+          </p:cNvPicPr>
+          <p:nvPr/>
+        </p:nvPicPr>
+        <p:blipFill>
+          <a:blip r:embed="rId3"/>
+          <a:stretch>
+            <a:fillRect/>
+          </a:stretch>
+        </p:blipFill>
+        <p:spPr>
+          <a:xfrm>
+            <a:off x="8844882" y="1371601"/>
+            <a:ext cx="2769769" cy="2743200"/>
+          </a:xfrm>
+          <a:prstGeom prst="rect">
+            <a:avLst/>
+          </a:prstGeom>
+        </p:spPr>
+      </p:pic>
+      <p:pic>
+        <p:nvPicPr>
+          <p:cNvPr id="9" name="Picture 8">
+            <a:extLst>
+              <a:ext uri="{FF2B5EF4-FFF2-40B4-BE49-F238E27FC236}">
+                <a16:creationId xmlns:a16="http://schemas.microsoft.com/office/drawing/2014/main" id="{65CBE37D-19F8-7DA7-FD81-10D3BD828B3A}"/>
+              </a:ext>
+            </a:extLst>
+          </p:cNvPr>
+          <p:cNvPicPr>
+            <a:picLocks noChangeAspect="1"/>
+          </p:cNvPicPr>
+          <p:nvPr/>
+        </p:nvPicPr>
+        <p:blipFill>
+          <a:blip r:embed="rId4"/>
+          <a:stretch>
+            <a:fillRect/>
+          </a:stretch>
+        </p:blipFill>
+        <p:spPr>
+          <a:xfrm>
+            <a:off x="4968683" y="1371600"/>
+            <a:ext cx="2769769" cy="2743200"/>
+          </a:xfrm>
+          <a:prstGeom prst="rect">
+            <a:avLst/>
+          </a:prstGeom>
+        </p:spPr>
+      </p:pic>
+      <p:pic>
+        <p:nvPicPr>
+          <p:cNvPr id="11" name="Picture 10">
+            <a:extLst>
+              <a:ext uri="{FF2B5EF4-FFF2-40B4-BE49-F238E27FC236}">
+                <a16:creationId xmlns:a16="http://schemas.microsoft.com/office/drawing/2014/main" id="{A2E3549F-0CA4-F25D-793B-3FB5466AC65D}"/>
+              </a:ext>
+            </a:extLst>
+          </p:cNvPr>
+          <p:cNvPicPr>
+            <a:picLocks noChangeAspect="1"/>
+          </p:cNvPicPr>
+          <p:nvPr/>
+        </p:nvPicPr>
+        <p:blipFill>
+          <a:blip r:embed="rId5"/>
+          <a:stretch>
+            <a:fillRect/>
+          </a:stretch>
+        </p:blipFill>
+        <p:spPr>
+          <a:xfrm>
+            <a:off x="1092484" y="4114800"/>
+            <a:ext cx="2769769" cy="2743200"/>
+          </a:xfrm>
+          <a:prstGeom prst="rect">
+            <a:avLst/>
+          </a:prstGeom>
+        </p:spPr>
+      </p:pic>
+      <p:pic>
+        <p:nvPicPr>
+          <p:cNvPr id="13" name="Picture 12">
+            <a:extLst>
+              <a:ext uri="{FF2B5EF4-FFF2-40B4-BE49-F238E27FC236}">
+                <a16:creationId xmlns:a16="http://schemas.microsoft.com/office/drawing/2014/main" id="{2C2AC7CF-FB3C-F5BF-9C2F-29A0BC8BBC48}"/>
+              </a:ext>
+            </a:extLst>
+          </p:cNvPr>
+          <p:cNvPicPr>
+            <a:picLocks noChangeAspect="1"/>
+          </p:cNvPicPr>
+          <p:nvPr/>
+        </p:nvPicPr>
+        <p:blipFill>
+          <a:blip r:embed="rId6"/>
+          <a:stretch>
+            <a:fillRect/>
+          </a:stretch>
+        </p:blipFill>
+        <p:spPr>
+          <a:xfrm>
+            <a:off x="8844883" y="4114800"/>
+            <a:ext cx="2769769" cy="2743200"/>
+          </a:xfrm>
+          <a:prstGeom prst="rect">
+            <a:avLst/>
+          </a:prstGeom>
+        </p:spPr>
+      </p:pic>
+      <p:pic>
+        <p:nvPicPr>
+          <p:cNvPr id="15" name="Picture 14">
+            <a:extLst>
+              <a:ext uri="{FF2B5EF4-FFF2-40B4-BE49-F238E27FC236}">
+                <a16:creationId xmlns:a16="http://schemas.microsoft.com/office/drawing/2014/main" id="{F049681A-5103-8AF2-BF94-EEE5741A5805}"/>
+              </a:ext>
+            </a:extLst>
+          </p:cNvPr>
+          <p:cNvPicPr>
+            <a:picLocks noChangeAspect="1"/>
+          </p:cNvPicPr>
+          <p:nvPr/>
+        </p:nvPicPr>
+        <p:blipFill>
+          <a:blip r:embed="rId7"/>
+          <a:stretch>
+            <a:fillRect/>
+          </a:stretch>
+        </p:blipFill>
+        <p:spPr>
+          <a:xfrm>
+            <a:off x="4968684" y="4114800"/>
+            <a:ext cx="2769769" cy="2743200"/>
+          </a:xfrm>
+          <a:prstGeom prst="rect">
+            <a:avLst/>
+          </a:prstGeom>
+        </p:spPr>
+      </p:pic>
+      <p:sp>
+        <p:nvSpPr>
+          <p:cNvPr id="16" name="TextBox 15">
+            <a:extLst>
+              <a:ext uri="{FF2B5EF4-FFF2-40B4-BE49-F238E27FC236}">
+                <a16:creationId xmlns:a16="http://schemas.microsoft.com/office/drawing/2014/main" id="{F497C2E6-2861-7190-EF99-E166AD2CA6AA}"/>
+              </a:ext>
+            </a:extLst>
+          </p:cNvPr>
+          <p:cNvSpPr txBox="1"/>
+          <p:nvPr/>
+        </p:nvSpPr>
+        <p:spPr>
+          <a:xfrm>
+            <a:off x="1697233" y="943411"/>
+            <a:ext cx="2091892" cy="307777"/>
+          </a:xfrm>
+          <a:prstGeom prst="rect">
+            <a:avLst/>
+          </a:prstGeom>
+          <a:noFill/>
+        </p:spPr>
+        <p:txBody>
+          <a:bodyPr wrap="square" rtlCol="0">
+            <a:spAutoFit/>
+          </a:bodyPr>
+          <a:lstStyle/>
+          <a:p>
+            <a:r>
+              <a:rPr lang="en-US" b="1" u="sng">
+                <a:solidFill>
+                  <a:schemeClr val="tx1"/>
+                </a:solidFill>
+              </a:rPr>
+              <a:t>Untouched Image</a:t>
+            </a:r>
+          </a:p>
+        </p:txBody>
+      </p:sp>
+      <p:sp>
+        <p:nvSpPr>
+          <p:cNvPr id="17" name="TextBox 16">
+            <a:extLst>
+              <a:ext uri="{FF2B5EF4-FFF2-40B4-BE49-F238E27FC236}">
+                <a16:creationId xmlns:a16="http://schemas.microsoft.com/office/drawing/2014/main" id="{67D536BF-3561-CD0D-BC2B-4741BED4A475}"/>
+              </a:ext>
+            </a:extLst>
+          </p:cNvPr>
+          <p:cNvSpPr txBox="1"/>
+          <p:nvPr/>
+        </p:nvSpPr>
+        <p:spPr>
+          <a:xfrm>
+            <a:off x="5339537" y="959342"/>
+            <a:ext cx="2282550" cy="307777"/>
+          </a:xfrm>
+          <a:prstGeom prst="rect">
+            <a:avLst/>
+          </a:prstGeom>
+          <a:noFill/>
+        </p:spPr>
+        <p:txBody>
+          <a:bodyPr wrap="square" rtlCol="0">
+            <a:spAutoFit/>
+          </a:bodyPr>
+          <a:lstStyle/>
+          <a:p>
+            <a:r>
+              <a:rPr lang="en-US" b="1" u="sng">
+                <a:solidFill>
+                  <a:schemeClr val="tx1"/>
+                </a:solidFill>
+              </a:rPr>
+              <a:t>PGD w/ Tropical models</a:t>
+            </a:r>
+          </a:p>
+        </p:txBody>
+      </p:sp>
+      <p:sp>
+        <p:nvSpPr>
+          <p:cNvPr id="18" name="TextBox 17">
+            <a:extLst>
+              <a:ext uri="{FF2B5EF4-FFF2-40B4-BE49-F238E27FC236}">
+                <a16:creationId xmlns:a16="http://schemas.microsoft.com/office/drawing/2014/main" id="{916736CC-3FD2-58A6-C1DA-E1064648E10B}"/>
+              </a:ext>
+            </a:extLst>
+          </p:cNvPr>
+          <p:cNvSpPr txBox="1"/>
+          <p:nvPr/>
+        </p:nvSpPr>
+        <p:spPr>
+          <a:xfrm>
+            <a:off x="9271730" y="959342"/>
+            <a:ext cx="2091892" cy="307777"/>
+          </a:xfrm>
+          <a:prstGeom prst="rect">
+            <a:avLst/>
+          </a:prstGeom>
+          <a:noFill/>
+        </p:spPr>
+        <p:txBody>
+          <a:bodyPr wrap="square" rtlCol="0">
+            <a:spAutoFit/>
+          </a:bodyPr>
+          <a:lstStyle/>
+          <a:p>
+            <a:r>
+              <a:rPr lang="en-US" b="1" u="sng">
+                <a:solidFill>
+                  <a:schemeClr val="tx1"/>
+                </a:solidFill>
+              </a:rPr>
+              <a:t>PGD w/ </a:t>
+            </a:r>
+            <a:r>
+              <a:rPr lang="en-US" b="1" u="sng" err="1">
+                <a:solidFill>
+                  <a:schemeClr val="tx1"/>
+                </a:solidFill>
+              </a:rPr>
+              <a:t>ReLu</a:t>
+            </a:r>
+            <a:r>
+              <a:rPr lang="en-US" b="1" u="sng">
+                <a:solidFill>
+                  <a:schemeClr val="tx1"/>
+                </a:solidFill>
+              </a:rPr>
+              <a:t> models</a:t>
+            </a:r>
+          </a:p>
+        </p:txBody>
+      </p:sp>
+    </p:spTree>
+    <p:extLst>
+      <p:ext uri="{BB962C8B-B14F-4D97-AF65-F5344CB8AC3E}">
+        <p14:creationId xmlns:p14="http://schemas.microsoft.com/office/powerpoint/2010/main" val="3232927258"/>
+      </p:ext>
+    </p:extLst>
+  </p:cSld>
+  <p:clrMapOvr>
+    <a:masterClrMapping/>
+  </p:clrMapOvr>
+  <p:transition spd="med">
+    <p:fade thruBlk="1"/>
+  </p:transition>
+</p:sld>
+</file>
+
+<file path=ppt/slides/slide8.xml><?xml version="1.0" encoding="utf-8"?>
 <p:sld xmlns:a="http://schemas.openxmlformats.org/drawingml/2006/main" xmlns:r="http://schemas.openxmlformats.org/officeDocument/2006/relationships" xmlns:p="http://schemas.openxmlformats.org/presentationml/2006/main" show="0">
   <p:cSld>
     <p:spTree>
